--- a/readme/CoralProtect.pptx
+++ b/readme/CoralProtect.pptx
@@ -8,9 +8,10 @@
     <p:sldId id="256" r:id="rId2"/>
     <p:sldId id="258" r:id="rId3"/>
     <p:sldId id="259" r:id="rId4"/>
-    <p:sldId id="257" r:id="rId5"/>
-    <p:sldId id="260" r:id="rId6"/>
-    <p:sldId id="261" r:id="rId7"/>
+    <p:sldId id="262" r:id="rId5"/>
+    <p:sldId id="257" r:id="rId6"/>
+    <p:sldId id="260" r:id="rId7"/>
+    <p:sldId id="261" r:id="rId8"/>
   </p:sldIdLst>
   <p:sldSz cx="12192000" cy="6858000"/>
   <p:notesSz cx="6858000" cy="9144000"/>
@@ -109,6 +110,11 @@
       </a:defRPr>
     </a:lvl9pPr>
   </p:defaultTextStyle>
+  <p:extLst>
+    <p:ext uri="{EFAFB233-063F-42B5-8137-9DF3F51BA10A}">
+      <p15:sldGuideLst xmlns:p15="http://schemas.microsoft.com/office/powerpoint/2012/main"/>
+    </p:ext>
+  </p:extLst>
 </p:presentation>
 </file>
 
@@ -3883,9 +3889,10 @@
           <a:lstStyle/>
           <a:p>
             <a:r>
-              <a:rPr lang="en-US" cap="none" dirty="0"/>
-              <a:t>CoralProtect</a:t>
-            </a:r>
+              <a:rPr lang="en-US" cap="none"/>
+              <a:t>Coral Protect</a:t>
+            </a:r>
+            <a:endParaRPr lang="en-US" cap="none" dirty="0"/>
           </a:p>
         </p:txBody>
       </p:sp>
@@ -3947,56 +3954,6 @@
           <a:chExt cx="0" cy="0"/>
         </a:xfrm>
       </p:grpSpPr>
-      <p:sp>
-        <p:nvSpPr>
-          <p:cNvPr id="2" name="Title 1">
-            <a:extLst>
-              <a:ext uri="{FF2B5EF4-FFF2-40B4-BE49-F238E27FC236}">
-                <a16:creationId xmlns:a16="http://schemas.microsoft.com/office/drawing/2014/main" id="{44BC4CD2-C1D0-49D2-8476-66993929D76B}"/>
-              </a:ext>
-            </a:extLst>
-          </p:cNvPr>
-          <p:cNvSpPr>
-            <a:spLocks noGrp="1"/>
-          </p:cNvSpPr>
-          <p:nvPr>
-            <p:ph type="title"/>
-          </p:nvPr>
-        </p:nvSpPr>
-        <p:spPr/>
-        <p:txBody>
-          <a:bodyPr/>
-          <a:lstStyle/>
-          <a:p>
-            <a:endParaRPr lang="en-US" dirty="0"/>
-          </a:p>
-        </p:txBody>
-      </p:sp>
-      <p:sp>
-        <p:nvSpPr>
-          <p:cNvPr id="3" name="Content Placeholder 2">
-            <a:extLst>
-              <a:ext uri="{FF2B5EF4-FFF2-40B4-BE49-F238E27FC236}">
-                <a16:creationId xmlns:a16="http://schemas.microsoft.com/office/drawing/2014/main" id="{C36A5313-A21F-4F9F-AF10-B0AD385BBC38}"/>
-              </a:ext>
-            </a:extLst>
-          </p:cNvPr>
-          <p:cNvSpPr>
-            <a:spLocks noGrp="1"/>
-          </p:cNvSpPr>
-          <p:nvPr>
-            <p:ph idx="1"/>
-          </p:nvPr>
-        </p:nvSpPr>
-        <p:spPr/>
-        <p:txBody>
-          <a:bodyPr/>
-          <a:lstStyle/>
-          <a:p>
-            <a:endParaRPr lang="en-US" dirty="0"/>
-          </a:p>
-        </p:txBody>
-      </p:sp>
       <p:pic>
         <p:nvPicPr>
           <p:cNvPr id="2050" name="Picture 2" descr="An underwater photographer documents an expanse of dead coral at Lizard Island on Australia's Great Barrier Reef">
@@ -4026,8 +3983,8 @@
         </p:blipFill>
         <p:spPr bwMode="auto">
           <a:xfrm>
-            <a:off x="1698372" y="0"/>
-            <a:ext cx="8947651" cy="6294783"/>
+            <a:off x="0" y="-52754"/>
+            <a:ext cx="12192000" cy="6294783"/>
           </a:xfrm>
           <a:prstGeom prst="rect">
             <a:avLst/>
@@ -4134,7 +4091,7 @@
           <a:p>
             <a:r>
               <a:rPr lang="en-US" sz="4800" dirty="0"/>
-              <a:t>Why do we need CoralProtect?</a:t>
+              <a:t>Why do we need Coral Protect?</a:t>
             </a:r>
           </a:p>
         </p:txBody>
@@ -4217,15 +4174,51 @@
           <a:chExt cx="0" cy="0"/>
         </a:xfrm>
       </p:grpSpPr>
-      <p:sp>
-        <p:nvSpPr>
-          <p:cNvPr id="2" name="Title 1">
+      <p:pic>
+        <p:nvPicPr>
+          <p:cNvPr id="6" name="Picture 5">
             <a:extLst>
               <a:ext uri="{FF2B5EF4-FFF2-40B4-BE49-F238E27FC236}">
-                <a16:creationId xmlns:a16="http://schemas.microsoft.com/office/drawing/2014/main" id="{1FD6BC81-DE0F-45F5-ACB7-BE89F94C69B7}"/>
+                <a16:creationId xmlns:a16="http://schemas.microsoft.com/office/drawing/2014/main" id="{87757C75-769C-443C-B9A7-D770B02D7339}"/>
               </a:ext>
             </a:extLst>
           </p:cNvPr>
+          <p:cNvPicPr>
+            <a:picLocks noChangeAspect="1"/>
+          </p:cNvPicPr>
+          <p:nvPr/>
+        </p:nvPicPr>
+        <p:blipFill>
+          <a:blip r:embed="rId2">
+            <a:extLst>
+              <a:ext uri="{28A0092B-C50C-407E-A947-70E740481C1C}">
+                <a14:useLocalDpi xmlns:a14="http://schemas.microsoft.com/office/drawing/2010/main" val="0"/>
+              </a:ext>
+            </a:extLst>
+          </a:blip>
+          <a:stretch>
+            <a:fillRect/>
+          </a:stretch>
+        </p:blipFill>
+        <p:spPr>
+          <a:xfrm>
+            <a:off x="1910862" y="1591409"/>
+            <a:ext cx="8522676" cy="4794005"/>
+          </a:xfrm>
+          <a:prstGeom prst="rect">
+            <a:avLst/>
+          </a:prstGeom>
+        </p:spPr>
+      </p:pic>
+      <p:sp>
+        <p:nvSpPr>
+          <p:cNvPr id="7" name="Title 1">
+            <a:extLst>
+              <a:ext uri="{FF2B5EF4-FFF2-40B4-BE49-F238E27FC236}">
+                <a16:creationId xmlns:a16="http://schemas.microsoft.com/office/drawing/2014/main" id="{25B71FAC-8D7B-46D3-A5EA-E767A43BE683}"/>
+              </a:ext>
+            </a:extLst>
+          </p:cNvPr>
           <p:cNvSpPr>
             <a:spLocks noGrp="1"/>
           </p:cNvSpPr>
@@ -4233,7 +4226,12 @@
             <p:ph type="title"/>
           </p:nvPr>
         </p:nvSpPr>
-        <p:spPr/>
+        <p:spPr>
+          <a:xfrm>
+            <a:off x="1371600" y="685800"/>
+            <a:ext cx="10471638" cy="1485900"/>
+          </a:xfrm>
+        </p:spPr>
         <p:txBody>
           <a:bodyPr>
             <a:normAutofit/>
@@ -4241,77 +4239,8 @@
           <a:lstStyle/>
           <a:p>
             <a:r>
-              <a:rPr lang="en-US" b="1" dirty="0"/>
-              <a:t>Functions of Coral Reefs</a:t>
-            </a:r>
-            <a:endParaRPr lang="en-US" dirty="0"/>
-          </a:p>
-        </p:txBody>
-      </p:sp>
-      <p:sp>
-        <p:nvSpPr>
-          <p:cNvPr id="3" name="Content Placeholder 2">
-            <a:extLst>
-              <a:ext uri="{FF2B5EF4-FFF2-40B4-BE49-F238E27FC236}">
-                <a16:creationId xmlns:a16="http://schemas.microsoft.com/office/drawing/2014/main" id="{1BCD08BD-5664-4256-99FA-166A2EB5E696}"/>
-              </a:ext>
-            </a:extLst>
-          </p:cNvPr>
-          <p:cNvSpPr>
-            <a:spLocks noGrp="1"/>
-          </p:cNvSpPr>
-          <p:nvPr>
-            <p:ph idx="1"/>
-          </p:nvPr>
-        </p:nvSpPr>
-        <p:spPr>
-          <a:xfrm>
-            <a:off x="1371600" y="2286000"/>
-            <a:ext cx="10065026" cy="3886200"/>
-          </a:xfrm>
-        </p:spPr>
-        <p:txBody>
-          <a:bodyPr>
-            <a:normAutofit lnSpcReduction="10000"/>
-          </a:bodyPr>
-          <a:lstStyle/>
-          <a:p>
-            <a:pPr marL="0" indent="0">
-              <a:buNone/>
-            </a:pPr>
-            <a:r>
-              <a:rPr lang="en-US" sz="2400" dirty="0"/>
-              <a:t>Coral reefs are important for many different reasons aside from supposedly containing the most diverse ecosystems on the planet. They:</a:t>
-            </a:r>
-          </a:p>
-          <a:p>
-            <a:r>
-              <a:rPr lang="en-US" sz="2400" dirty="0"/>
-              <a:t>protect coastlines from the damaging effects of wave action and tropical storms</a:t>
-            </a:r>
-          </a:p>
-          <a:p>
-            <a:r>
-              <a:rPr lang="en-US" sz="2400" dirty="0"/>
-              <a:t>provide habitats and shelter for many marine organisms</a:t>
-            </a:r>
-          </a:p>
-          <a:p>
-            <a:r>
-              <a:rPr lang="en-US" sz="2400" dirty="0"/>
-              <a:t>are the source of nitrogen and other essential nutrients for marine food chains</a:t>
-            </a:r>
-          </a:p>
-          <a:p>
-            <a:r>
-              <a:rPr lang="en-US" sz="2400" dirty="0"/>
-              <a:t>assist in carbon and nitrogen fixing</a:t>
-            </a:r>
-          </a:p>
-          <a:p>
-            <a:r>
-              <a:rPr lang="en-US" sz="2400" dirty="0"/>
-              <a:t>help with nutrient recycling.</a:t>
+              <a:rPr lang="en-US" sz="4800" dirty="0"/>
+              <a:t>Value of Coral and why it is misused?</a:t>
             </a:r>
           </a:p>
         </p:txBody>
@@ -4319,7 +4248,7 @@
     </p:spTree>
     <p:extLst>
       <p:ext uri="{BB962C8B-B14F-4D97-AF65-F5344CB8AC3E}">
-        <p14:creationId xmlns:p14="http://schemas.microsoft.com/office/powerpoint/2010/main" val="3351264740"/>
+        <p14:creationId xmlns:p14="http://schemas.microsoft.com/office/powerpoint/2010/main" val="486501775"/>
       </p:ext>
     </p:extLst>
   </p:cSld>
@@ -4351,6 +4280,135 @@
           <p:cNvPr id="2" name="Title 1">
             <a:extLst>
               <a:ext uri="{FF2B5EF4-FFF2-40B4-BE49-F238E27FC236}">
+                <a16:creationId xmlns:a16="http://schemas.microsoft.com/office/drawing/2014/main" id="{1FD6BC81-DE0F-45F5-ACB7-BE89F94C69B7}"/>
+              </a:ext>
+            </a:extLst>
+          </p:cNvPr>
+          <p:cNvSpPr>
+            <a:spLocks noGrp="1"/>
+          </p:cNvSpPr>
+          <p:nvPr>
+            <p:ph type="title"/>
+          </p:nvPr>
+        </p:nvSpPr>
+        <p:spPr/>
+        <p:txBody>
+          <a:bodyPr>
+            <a:normAutofit/>
+          </a:bodyPr>
+          <a:lstStyle/>
+          <a:p>
+            <a:r>
+              <a:rPr lang="en-US" b="1" dirty="0"/>
+              <a:t>Functions of Coral Reefs</a:t>
+            </a:r>
+            <a:endParaRPr lang="en-US" dirty="0"/>
+          </a:p>
+        </p:txBody>
+      </p:sp>
+      <p:sp>
+        <p:nvSpPr>
+          <p:cNvPr id="3" name="Content Placeholder 2">
+            <a:extLst>
+              <a:ext uri="{FF2B5EF4-FFF2-40B4-BE49-F238E27FC236}">
+                <a16:creationId xmlns:a16="http://schemas.microsoft.com/office/drawing/2014/main" id="{1BCD08BD-5664-4256-99FA-166A2EB5E696}"/>
+              </a:ext>
+            </a:extLst>
+          </p:cNvPr>
+          <p:cNvSpPr>
+            <a:spLocks noGrp="1"/>
+          </p:cNvSpPr>
+          <p:nvPr>
+            <p:ph idx="1"/>
+          </p:nvPr>
+        </p:nvSpPr>
+        <p:spPr>
+          <a:xfrm>
+            <a:off x="1371600" y="2286000"/>
+            <a:ext cx="10065026" cy="3886200"/>
+          </a:xfrm>
+        </p:spPr>
+        <p:txBody>
+          <a:bodyPr>
+            <a:normAutofit lnSpcReduction="10000"/>
+          </a:bodyPr>
+          <a:lstStyle/>
+          <a:p>
+            <a:pPr marL="0" indent="0">
+              <a:buNone/>
+            </a:pPr>
+            <a:r>
+              <a:rPr lang="en-US" sz="2400" dirty="0"/>
+              <a:t>Coral reefs are important for many different reasons aside from supposedly containing the most diverse ecosystems on the planet. They:</a:t>
+            </a:r>
+          </a:p>
+          <a:p>
+            <a:r>
+              <a:rPr lang="en-US" sz="2400" dirty="0"/>
+              <a:t>protect coastlines from the damaging effects of wave action and tropical storms</a:t>
+            </a:r>
+          </a:p>
+          <a:p>
+            <a:r>
+              <a:rPr lang="en-US" sz="2400" dirty="0"/>
+              <a:t>provide habitats and shelter for many marine organisms</a:t>
+            </a:r>
+          </a:p>
+          <a:p>
+            <a:r>
+              <a:rPr lang="en-US" sz="2400" dirty="0"/>
+              <a:t>are the source of nitrogen and other essential nutrients for marine food chains</a:t>
+            </a:r>
+          </a:p>
+          <a:p>
+            <a:r>
+              <a:rPr lang="en-US" sz="2400" dirty="0"/>
+              <a:t>assist in carbon and nitrogen fixing</a:t>
+            </a:r>
+          </a:p>
+          <a:p>
+            <a:r>
+              <a:rPr lang="en-US" sz="2400" dirty="0"/>
+              <a:t>help with nutrient recycling.</a:t>
+            </a:r>
+          </a:p>
+        </p:txBody>
+      </p:sp>
+    </p:spTree>
+    <p:extLst>
+      <p:ext uri="{BB962C8B-B14F-4D97-AF65-F5344CB8AC3E}">
+        <p14:creationId xmlns:p14="http://schemas.microsoft.com/office/powerpoint/2010/main" val="3351264740"/>
+      </p:ext>
+    </p:extLst>
+  </p:cSld>
+  <p:clrMapOvr>
+    <a:masterClrMapping/>
+  </p:clrMapOvr>
+</p:sld>
+</file>
+
+<file path=ppt/slides/slide6.xml><?xml version="1.0" encoding="utf-8"?>
+<p:sld xmlns:a="http://schemas.openxmlformats.org/drawingml/2006/main" xmlns:r="http://schemas.openxmlformats.org/officeDocument/2006/relationships" xmlns:p="http://schemas.openxmlformats.org/presentationml/2006/main">
+  <p:cSld>
+    <p:spTree>
+      <p:nvGrpSpPr>
+        <p:cNvPr id="1" name=""/>
+        <p:cNvGrpSpPr/>
+        <p:nvPr/>
+      </p:nvGrpSpPr>
+      <p:grpSpPr>
+        <a:xfrm>
+          <a:off x="0" y="0"/>
+          <a:ext cx="0" cy="0"/>
+          <a:chOff x="0" y="0"/>
+          <a:chExt cx="0" cy="0"/>
+        </a:xfrm>
+      </p:grpSpPr>
+      <p:sp>
+        <p:nvSpPr>
+          <p:cNvPr id="2" name="Title 1">
+            <a:extLst>
+              <a:ext uri="{FF2B5EF4-FFF2-40B4-BE49-F238E27FC236}">
                 <a16:creationId xmlns:a16="http://schemas.microsoft.com/office/drawing/2014/main" id="{16C88F19-FCDD-41BF-84F1-803A25C9E3FF}"/>
               </a:ext>
             </a:extLst>
@@ -4448,7 +4506,7 @@
 </p:sld>
 </file>
 
-<file path=ppt/slides/slide6.xml><?xml version="1.0" encoding="utf-8"?>
+<file path=ppt/slides/slide7.xml><?xml version="1.0" encoding="utf-8"?>
 <p:sld xmlns:a="http://schemas.openxmlformats.org/drawingml/2006/main" xmlns:r="http://schemas.openxmlformats.org/officeDocument/2006/relationships" xmlns:p="http://schemas.openxmlformats.org/presentationml/2006/main">
   <p:cSld>
     <p:spTree>

--- a/readme/CoralProtect.pptx
+++ b/readme/CoralProtect.pptx
@@ -12,6 +12,7 @@
     <p:sldId id="257" r:id="rId6"/>
     <p:sldId id="260" r:id="rId7"/>
     <p:sldId id="261" r:id="rId8"/>
+    <p:sldId id="263" r:id="rId9"/>
   </p:sldIdLst>
   <p:sldSz cx="12192000" cy="6858000"/>
   <p:notesSz cx="6858000" cy="9144000"/>
@@ -287,7 +288,7 @@
           <a:p>
             <a:fld id="{71CEF472-FAB5-4ECD-B5B1-F19E180A02F9}" type="datetimeFigureOut">
               <a:rPr lang="en-US" smtClean="0"/>
-              <a:t>1/8/2019</a:t>
+              <a:t>1/9/2019</a:t>
             </a:fld>
             <a:endParaRPr lang="en-US"/>
           </a:p>
@@ -622,7 +623,7 @@
           <a:p>
             <a:fld id="{71CEF472-FAB5-4ECD-B5B1-F19E180A02F9}" type="datetimeFigureOut">
               <a:rPr lang="en-US" smtClean="0"/>
-              <a:t>1/8/2019</a:t>
+              <a:t>1/9/2019</a:t>
             </a:fld>
             <a:endParaRPr lang="en-US"/>
           </a:p>
@@ -802,7 +803,7 @@
           <a:p>
             <a:fld id="{71CEF472-FAB5-4ECD-B5B1-F19E180A02F9}" type="datetimeFigureOut">
               <a:rPr lang="en-US" smtClean="0"/>
-              <a:t>1/8/2019</a:t>
+              <a:t>1/9/2019</a:t>
             </a:fld>
             <a:endParaRPr lang="en-US"/>
           </a:p>
@@ -972,7 +973,7 @@
           <a:p>
             <a:fld id="{71CEF472-FAB5-4ECD-B5B1-F19E180A02F9}" type="datetimeFigureOut">
               <a:rPr lang="en-US" smtClean="0"/>
-              <a:t>1/8/2019</a:t>
+              <a:t>1/9/2019</a:t>
             </a:fld>
             <a:endParaRPr lang="en-US"/>
           </a:p>
@@ -1249,7 +1250,7 @@
           <a:p>
             <a:fld id="{71CEF472-FAB5-4ECD-B5B1-F19E180A02F9}" type="datetimeFigureOut">
               <a:rPr lang="en-US" smtClean="0"/>
-              <a:t>1/8/2019</a:t>
+              <a:t>1/9/2019</a:t>
             </a:fld>
             <a:endParaRPr lang="en-US"/>
           </a:p>
@@ -1643,7 +1644,7 @@
           <a:p>
             <a:fld id="{71CEF472-FAB5-4ECD-B5B1-F19E180A02F9}" type="datetimeFigureOut">
               <a:rPr lang="en-US" smtClean="0"/>
-              <a:t>1/8/2019</a:t>
+              <a:t>1/9/2019</a:t>
             </a:fld>
             <a:endParaRPr lang="en-US"/>
           </a:p>
@@ -2120,7 +2121,7 @@
           <a:p>
             <a:fld id="{71CEF472-FAB5-4ECD-B5B1-F19E180A02F9}" type="datetimeFigureOut">
               <a:rPr lang="en-US" smtClean="0"/>
-              <a:t>1/8/2019</a:t>
+              <a:t>1/9/2019</a:t>
             </a:fld>
             <a:endParaRPr lang="en-US"/>
           </a:p>
@@ -2238,7 +2239,7 @@
           <a:p>
             <a:fld id="{71CEF472-FAB5-4ECD-B5B1-F19E180A02F9}" type="datetimeFigureOut">
               <a:rPr lang="en-US" smtClean="0"/>
-              <a:t>1/8/2019</a:t>
+              <a:t>1/9/2019</a:t>
             </a:fld>
             <a:endParaRPr lang="en-US"/>
           </a:p>
@@ -2333,7 +2334,7 @@
           <a:p>
             <a:fld id="{71CEF472-FAB5-4ECD-B5B1-F19E180A02F9}" type="datetimeFigureOut">
               <a:rPr lang="en-US" smtClean="0"/>
-              <a:t>1/8/2019</a:t>
+              <a:t>1/9/2019</a:t>
             </a:fld>
             <a:endParaRPr lang="en-US"/>
           </a:p>
@@ -2684,7 +2685,7 @@
           <a:p>
             <a:fld id="{71CEF472-FAB5-4ECD-B5B1-F19E180A02F9}" type="datetimeFigureOut">
               <a:rPr lang="en-US" smtClean="0"/>
-              <a:t>1/8/2019</a:t>
+              <a:t>1/9/2019</a:t>
             </a:fld>
             <a:endParaRPr lang="en-US"/>
           </a:p>
@@ -3077,7 +3078,7 @@
           <a:p>
             <a:fld id="{71CEF472-FAB5-4ECD-B5B1-F19E180A02F9}" type="datetimeFigureOut">
               <a:rPr lang="en-US" smtClean="0"/>
-              <a:t>1/8/2019</a:t>
+              <a:t>1/9/2019</a:t>
             </a:fld>
             <a:endParaRPr lang="en-US"/>
           </a:p>
@@ -3355,7 +3356,7 @@
           <a:p>
             <a:fld id="{71CEF472-FAB5-4ECD-B5B1-F19E180A02F9}" type="datetimeFigureOut">
               <a:rPr lang="en-US" smtClean="0"/>
-              <a:t>1/8/2019</a:t>
+              <a:t>1/9/2019</a:t>
             </a:fld>
             <a:endParaRPr lang="en-US"/>
           </a:p>
@@ -4600,6 +4601,151 @@
 </p:sld>
 </file>
 
+<file path=ppt/slides/slide8.xml><?xml version="1.0" encoding="utf-8"?>
+<p:sld xmlns:a="http://schemas.openxmlformats.org/drawingml/2006/main" xmlns:r="http://schemas.openxmlformats.org/officeDocument/2006/relationships" xmlns:p="http://schemas.openxmlformats.org/presentationml/2006/main">
+  <p:cSld>
+    <p:spTree>
+      <p:nvGrpSpPr>
+        <p:cNvPr id="1" name=""/>
+        <p:cNvGrpSpPr/>
+        <p:nvPr/>
+      </p:nvGrpSpPr>
+      <p:grpSpPr>
+        <a:xfrm>
+          <a:off x="0" y="0"/>
+          <a:ext cx="0" cy="0"/>
+          <a:chOff x="0" y="0"/>
+          <a:chExt cx="0" cy="0"/>
+        </a:xfrm>
+      </p:grpSpPr>
+      <p:sp>
+        <p:nvSpPr>
+          <p:cNvPr id="2" name="Title 1">
+            <a:extLst>
+              <a:ext uri="{FF2B5EF4-FFF2-40B4-BE49-F238E27FC236}">
+                <a16:creationId xmlns:a16="http://schemas.microsoft.com/office/drawing/2014/main" id="{FB2886AD-8DD2-4E39-BA7D-2ABAAE60FAF6}"/>
+              </a:ext>
+            </a:extLst>
+          </p:cNvPr>
+          <p:cNvSpPr>
+            <a:spLocks noGrp="1"/>
+          </p:cNvSpPr>
+          <p:nvPr>
+            <p:ph type="title"/>
+          </p:nvPr>
+        </p:nvSpPr>
+        <p:spPr/>
+        <p:txBody>
+          <a:bodyPr/>
+          <a:lstStyle/>
+          <a:p>
+            <a:r>
+              <a:rPr lang="en-US" dirty="0"/>
+              <a:t>What is included in the product?</a:t>
+            </a:r>
+          </a:p>
+        </p:txBody>
+      </p:sp>
+      <p:sp>
+        <p:nvSpPr>
+          <p:cNvPr id="3" name="Content Placeholder 2">
+            <a:extLst>
+              <a:ext uri="{FF2B5EF4-FFF2-40B4-BE49-F238E27FC236}">
+                <a16:creationId xmlns:a16="http://schemas.microsoft.com/office/drawing/2014/main" id="{0052DD08-C804-409B-8BC5-7C05B0D441CD}"/>
+              </a:ext>
+            </a:extLst>
+          </p:cNvPr>
+          <p:cNvSpPr>
+            <a:spLocks noGrp="1"/>
+          </p:cNvSpPr>
+          <p:nvPr>
+            <p:ph idx="1"/>
+          </p:nvPr>
+        </p:nvSpPr>
+        <p:spPr/>
+        <p:txBody>
+          <a:bodyPr/>
+          <a:lstStyle/>
+          <a:p>
+            <a:r>
+              <a:rPr lang="en-US" dirty="0" err="1"/>
+              <a:t>RaspberryPi</a:t>
+            </a:r>
+            <a:r>
+              <a:rPr lang="en-US" dirty="0"/>
+              <a:t> Master Modules with </a:t>
+            </a:r>
+            <a:r>
+              <a:rPr lang="en-US" dirty="0" err="1"/>
+              <a:t>TensorFlowLite</a:t>
+            </a:r>
+            <a:r>
+              <a:rPr lang="en-US" dirty="0"/>
+              <a:t> CNN model</a:t>
+            </a:r>
+          </a:p>
+          <a:p>
+            <a:r>
+              <a:rPr lang="en-US" dirty="0" err="1"/>
+              <a:t>NodeMCU</a:t>
+            </a:r>
+            <a:r>
+              <a:rPr lang="en-US" dirty="0"/>
+              <a:t> Slave Modules with:</a:t>
+            </a:r>
+          </a:p>
+          <a:p>
+            <a:pPr lvl="1"/>
+            <a:r>
+              <a:rPr lang="en-US" dirty="0"/>
+              <a:t>Camera Feed </a:t>
+            </a:r>
+          </a:p>
+          <a:p>
+            <a:pPr lvl="1"/>
+            <a:r>
+              <a:rPr lang="en-US" dirty="0"/>
+              <a:t>Temperature Sensor</a:t>
+            </a:r>
+          </a:p>
+          <a:p>
+            <a:pPr lvl="1"/>
+            <a:r>
+              <a:rPr lang="en-US" dirty="0"/>
+              <a:t>pH Sensor </a:t>
+            </a:r>
+          </a:p>
+          <a:p>
+            <a:r>
+              <a:rPr lang="en-US" dirty="0" err="1"/>
+              <a:t>FireBase</a:t>
+            </a:r>
+            <a:r>
+              <a:rPr lang="en-US" dirty="0"/>
+              <a:t> Realtime Database</a:t>
+            </a:r>
+          </a:p>
+          <a:p>
+            <a:r>
+              <a:rPr lang="en-US" dirty="0"/>
+              <a:t>Mobile Application </a:t>
+            </a:r>
+          </a:p>
+        </p:txBody>
+      </p:sp>
+    </p:spTree>
+    <p:extLst>
+      <p:ext uri="{BB962C8B-B14F-4D97-AF65-F5344CB8AC3E}">
+        <p14:creationId xmlns:p14="http://schemas.microsoft.com/office/powerpoint/2010/main" val="1031670765"/>
+      </p:ext>
+    </p:extLst>
+  </p:cSld>
+  <p:clrMapOvr>
+    <a:masterClrMapping/>
+  </p:clrMapOvr>
+</p:sld>
+</file>
+
 <file path=ppt/theme/theme1.xml><?xml version="1.0" encoding="utf-8"?>
 <a:theme xmlns:a="http://schemas.openxmlformats.org/drawingml/2006/main" name="Crop">
   <a:themeElements>

--- a/readme/CoralProtect.pptx
+++ b/readme/CoralProtect.pptx
@@ -7361,7 +7361,7 @@
         </p:nvSpPr>
         <p:spPr>
           <a:xfrm>
-            <a:off x="3309729" y="6318839"/>
+            <a:off x="712303" y="6358596"/>
             <a:ext cx="5724939" cy="369332"/>
           </a:xfrm>
           <a:prstGeom prst="rect">
